--- a/diagrams/diag5.pptx
+++ b/diagrams/diag5.pptx
@@ -6082,8 +6082,8 @@
           </a:p>
         </p:txBody>
       </p:sp>
-      <mc:AlternateContent xmlns:mc="http://schemas.openxmlformats.org/markup-compatibility/2006">
-        <mc:Choice xmlns:a14="http://schemas.microsoft.com/office/drawing/2010/main" Requires="a14">
+      <mc:AlternateContent xmlns:mc="http://schemas.openxmlformats.org/markup-compatibility/2006" xmlns:a14="http://schemas.microsoft.com/office/drawing/2010/main">
+        <mc:Choice Requires="a14">
           <p:sp>
             <p:nvSpPr>
               <p:cNvPr id="14" name="Google Shape;60;p14">
@@ -6157,7 +6157,7 @@
             </p:txBody>
           </p:sp>
         </mc:Choice>
-        <mc:Fallback>
+        <mc:Fallback xmlns="">
           <p:sp>
             <p:nvSpPr>
               <p:cNvPr id="14" name="Google Shape;60;p14">
@@ -6309,8 +6309,8 @@
           </a:p>
         </p:txBody>
       </p:sp>
-      <mc:AlternateContent xmlns:mc="http://schemas.openxmlformats.org/markup-compatibility/2006">
-        <mc:Choice xmlns:a14="http://schemas.microsoft.com/office/drawing/2010/main" Requires="a14">
+      <mc:AlternateContent xmlns:mc="http://schemas.openxmlformats.org/markup-compatibility/2006" xmlns:a14="http://schemas.microsoft.com/office/drawing/2010/main">
+        <mc:Choice Requires="a14">
           <p:sp>
             <p:nvSpPr>
               <p:cNvPr id="17" name="Google Shape;60;p14">
@@ -6384,7 +6384,7 @@
             </p:txBody>
           </p:sp>
         </mc:Choice>
-        <mc:Fallback>
+        <mc:Fallback xmlns="">
           <p:sp>
             <p:nvSpPr>
               <p:cNvPr id="17" name="Google Shape;60;p14">
@@ -6432,8 +6432,8 @@
           </p:sp>
         </mc:Fallback>
       </mc:AlternateContent>
-      <mc:AlternateContent xmlns:mc="http://schemas.openxmlformats.org/markup-compatibility/2006">
-        <mc:Choice xmlns:a14="http://schemas.microsoft.com/office/drawing/2010/main" Requires="a14">
+      <mc:AlternateContent xmlns:mc="http://schemas.openxmlformats.org/markup-compatibility/2006" xmlns:a14="http://schemas.microsoft.com/office/drawing/2010/main">
+        <mc:Choice Requires="a14">
           <p:sp>
             <p:nvSpPr>
               <p:cNvPr id="18" name="Google Shape;60;p14">
@@ -6507,7 +6507,7 @@
             </p:txBody>
           </p:sp>
         </mc:Choice>
-        <mc:Fallback>
+        <mc:Fallback xmlns="">
           <p:sp>
             <p:nvSpPr>
               <p:cNvPr id="18" name="Google Shape;60;p14">
@@ -6555,8 +6555,8 @@
           </p:sp>
         </mc:Fallback>
       </mc:AlternateContent>
-      <mc:AlternateContent xmlns:mc="http://schemas.openxmlformats.org/markup-compatibility/2006">
-        <mc:Choice xmlns:a14="http://schemas.microsoft.com/office/drawing/2010/main" Requires="a14">
+      <mc:AlternateContent xmlns:mc="http://schemas.openxmlformats.org/markup-compatibility/2006" xmlns:a14="http://schemas.microsoft.com/office/drawing/2010/main">
+        <mc:Choice Requires="a14">
           <p:sp>
             <p:nvSpPr>
               <p:cNvPr id="19" name="Google Shape;60;p14">
@@ -6630,7 +6630,7 @@
             </p:txBody>
           </p:sp>
         </mc:Choice>
-        <mc:Fallback>
+        <mc:Fallback xmlns="">
           <p:sp>
             <p:nvSpPr>
               <p:cNvPr id="19" name="Google Shape;60;p14">
@@ -6678,8 +6678,8 @@
           </p:sp>
         </mc:Fallback>
       </mc:AlternateContent>
-      <mc:AlternateContent xmlns:mc="http://schemas.openxmlformats.org/markup-compatibility/2006">
-        <mc:Choice xmlns:a14="http://schemas.microsoft.com/office/drawing/2010/main" Requires="a14">
+      <mc:AlternateContent xmlns:mc="http://schemas.openxmlformats.org/markup-compatibility/2006" xmlns:a14="http://schemas.microsoft.com/office/drawing/2010/main">
+        <mc:Choice Requires="a14">
           <p:sp>
             <p:nvSpPr>
               <p:cNvPr id="20" name="Google Shape;67;p14">
@@ -6729,7 +6729,7 @@
                             <a:solidFill>
                               <a:srgbClr val="0000FF"/>
                             </a:solidFill>
-                            <a:latin typeface="+mn-lt"/>
+                            <a:latin typeface="Cambria Math" panose="02040503050406030204" pitchFamily="18" charset="0"/>
                           </a:rPr>
                         </m:ctrlPr>
                       </m:sSubSupPr>
@@ -6739,7 +6739,7 @@
                             <a:solidFill>
                               <a:srgbClr val="0000FF"/>
                             </a:solidFill>
-                            <a:latin typeface="+mn-lt"/>
+                            <a:latin typeface="Cambria Math" panose="02040503050406030204" pitchFamily="18" charset="0"/>
                           </a:rPr>
                           <m:t>𝑭</m:t>
                         </m:r>
@@ -6761,7 +6761,7 @@
                             <a:solidFill>
                               <a:srgbClr val="0000FF"/>
                             </a:solidFill>
-                            <a:latin typeface="+mn-lt"/>
+                            <a:latin typeface="Cambria Math" panose="02040503050406030204" pitchFamily="18" charset="0"/>
                           </a:rPr>
                           <m:t>∗</m:t>
                         </m:r>
@@ -6779,7 +6779,7 @@
             </p:txBody>
           </p:sp>
         </mc:Choice>
-        <mc:Fallback>
+        <mc:Fallback xmlns="">
           <p:sp>
             <p:nvSpPr>
               <p:cNvPr id="20" name="Google Shape;67;p14">
@@ -6827,8 +6827,8 @@
           </p:sp>
         </mc:Fallback>
       </mc:AlternateContent>
-      <mc:AlternateContent xmlns:mc="http://schemas.openxmlformats.org/markup-compatibility/2006">
-        <mc:Choice xmlns:a14="http://schemas.microsoft.com/office/drawing/2010/main" Requires="a14">
+      <mc:AlternateContent xmlns:mc="http://schemas.openxmlformats.org/markup-compatibility/2006" xmlns:a14="http://schemas.microsoft.com/office/drawing/2010/main">
+        <mc:Choice Requires="a14">
           <p:sp>
             <p:nvSpPr>
               <p:cNvPr id="22" name="Google Shape;68;p14">
@@ -6887,7 +6887,7 @@
                             <a:solidFill>
                               <a:srgbClr val="006400"/>
                             </a:solidFill>
-                            <a:latin typeface="+mn-lt"/>
+                            <a:latin typeface="Cambria Math" panose="02040503050406030204" pitchFamily="18" charset="0"/>
                           </a:rPr>
                         </m:ctrlPr>
                       </m:sSubPr>
@@ -6897,7 +6897,7 @@
                             <a:solidFill>
                               <a:srgbClr val="006400"/>
                             </a:solidFill>
-                            <a:latin typeface="+mn-lt"/>
+                            <a:latin typeface="Cambria Math" panose="02040503050406030204" pitchFamily="18" charset="0"/>
                           </a:rPr>
                           <m:t>𝑭</m:t>
                         </m:r>
@@ -6926,7 +6926,7 @@
             </p:txBody>
           </p:sp>
         </mc:Choice>
-        <mc:Fallback>
+        <mc:Fallback xmlns="">
           <p:sp>
             <p:nvSpPr>
               <p:cNvPr id="22" name="Google Shape;68;p14">
@@ -6974,8 +6974,8 @@
           </p:sp>
         </mc:Fallback>
       </mc:AlternateContent>
-      <mc:AlternateContent xmlns:mc="http://schemas.openxmlformats.org/markup-compatibility/2006">
-        <mc:Choice xmlns:a14="http://schemas.microsoft.com/office/drawing/2010/main" Requires="a14">
+      <mc:AlternateContent xmlns:mc="http://schemas.openxmlformats.org/markup-compatibility/2006" xmlns:a14="http://schemas.microsoft.com/office/drawing/2010/main">
+        <mc:Choice Requires="a14">
           <p:sp>
             <p:nvSpPr>
               <p:cNvPr id="23" name="Google Shape;67;p14">
@@ -7025,7 +7025,7 @@
                             <a:solidFill>
                               <a:srgbClr val="FF0000"/>
                             </a:solidFill>
-                            <a:latin typeface="+mn-lt"/>
+                            <a:latin typeface="Cambria Math" panose="02040503050406030204" pitchFamily="18" charset="0"/>
                           </a:rPr>
                         </m:ctrlPr>
                       </m:sSubSupPr>
@@ -7035,7 +7035,7 @@
                             <a:solidFill>
                               <a:srgbClr val="FF0000"/>
                             </a:solidFill>
-                            <a:latin typeface="+mn-lt"/>
+                            <a:latin typeface="Cambria Math" panose="02040503050406030204" pitchFamily="18" charset="0"/>
                           </a:rPr>
                           <m:t>𝑭</m:t>
                         </m:r>
@@ -7057,7 +7057,7 @@
                             <a:solidFill>
                               <a:srgbClr val="FF0000"/>
                             </a:solidFill>
-                            <a:latin typeface="+mn-lt"/>
+                            <a:latin typeface="Cambria Math" panose="02040503050406030204" pitchFamily="18" charset="0"/>
                           </a:rPr>
                           <m:t>∗</m:t>
                         </m:r>
@@ -7075,7 +7075,7 @@
             </p:txBody>
           </p:sp>
         </mc:Choice>
-        <mc:Fallback>
+        <mc:Fallback xmlns="">
           <p:sp>
             <p:nvSpPr>
               <p:cNvPr id="23" name="Google Shape;67;p14">
@@ -7756,8 +7756,8 @@
           </a:ln>
         </p:spPr>
       </p:cxnSp>
-      <mc:AlternateContent xmlns:mc="http://schemas.openxmlformats.org/markup-compatibility/2006">
-        <mc:Choice xmlns:a14="http://schemas.microsoft.com/office/drawing/2010/main" Requires="a14">
+      <mc:AlternateContent xmlns:mc="http://schemas.openxmlformats.org/markup-compatibility/2006" xmlns:a14="http://schemas.microsoft.com/office/drawing/2010/main">
+        <mc:Choice Requires="a14">
           <p:sp>
             <p:nvSpPr>
               <p:cNvPr id="82" name="Google Shape;69;p14">
@@ -7803,7 +7803,7 @@
                               <a:solidFill>
                                 <a:schemeClr val="bg1"/>
                               </a:solidFill>
-                              <a:latin typeface="+mj-lt"/>
+                              <a:latin typeface="Cambria Math" panose="02040503050406030204" pitchFamily="18" charset="0"/>
                             </a:rPr>
                           </m:ctrlPr>
                         </m:sSubSupPr>
@@ -7813,7 +7813,7 @@
                               <a:solidFill>
                                 <a:schemeClr val="bg1"/>
                               </a:solidFill>
-                              <a:latin typeface="+mj-lt"/>
+                              <a:latin typeface="Cambria Math" panose="02040503050406030204" pitchFamily="18" charset="0"/>
                             </a:rPr>
                             <m:t>𝚫</m:t>
                           </m:r>
@@ -7824,7 +7824,7 @@
                               <a:solidFill>
                                 <a:schemeClr val="bg1"/>
                               </a:solidFill>
-                              <a:latin typeface="+mj-lt"/>
+                              <a:latin typeface="Cambria Math" panose="02040503050406030204" pitchFamily="18" charset="0"/>
                             </a:rPr>
                             <m:t>𝒐𝒃𝒔</m:t>
                           </m:r>
@@ -7835,7 +7835,7 @@
                               <a:solidFill>
                                 <a:schemeClr val="bg1"/>
                               </a:solidFill>
-                              <a:latin typeface="+mj-lt"/>
+                              <a:latin typeface="Cambria Math" panose="02040503050406030204" pitchFamily="18" charset="0"/>
                             </a:rPr>
                             <m:t>𝟐𝟓</m:t>
                           </m:r>
@@ -7855,7 +7855,7 @@
             </p:txBody>
           </p:sp>
         </mc:Choice>
-        <mc:Fallback>
+        <mc:Fallback xmlns="">
           <p:sp>
             <p:nvSpPr>
               <p:cNvPr id="82" name="Google Shape;69;p14">
@@ -8016,8 +8016,8 @@
           </a:ln>
         </p:spPr>
       </p:cxnSp>
-      <mc:AlternateContent xmlns:mc="http://schemas.openxmlformats.org/markup-compatibility/2006">
-        <mc:Choice xmlns:a14="http://schemas.microsoft.com/office/drawing/2010/main" Requires="a14">
+      <mc:AlternateContent xmlns:mc="http://schemas.openxmlformats.org/markup-compatibility/2006" xmlns:a14="http://schemas.microsoft.com/office/drawing/2010/main">
+        <mc:Choice Requires="a14">
           <p:sp>
             <p:nvSpPr>
               <p:cNvPr id="112" name="Google Shape;69;p14">
@@ -8063,7 +8063,7 @@
                               <a:solidFill>
                                 <a:schemeClr val="bg1"/>
                               </a:solidFill>
-                              <a:latin typeface="+mj-lt"/>
+                              <a:latin typeface="Cambria Math" panose="02040503050406030204" pitchFamily="18" charset="0"/>
                             </a:rPr>
                           </m:ctrlPr>
                         </m:sSubSupPr>
@@ -8073,7 +8073,7 @@
                               <a:solidFill>
                                 <a:schemeClr val="bg1"/>
                               </a:solidFill>
-                              <a:latin typeface="+mj-lt"/>
+                              <a:latin typeface="Cambria Math" panose="02040503050406030204" pitchFamily="18" charset="0"/>
                             </a:rPr>
                             <m:t>𝚫</m:t>
                           </m:r>
@@ -8084,7 +8084,7 @@
                               <a:solidFill>
                                 <a:schemeClr val="bg1"/>
                               </a:solidFill>
-                              <a:latin typeface="+mj-lt"/>
+                              <a:latin typeface="Cambria Math" panose="02040503050406030204" pitchFamily="18" charset="0"/>
                             </a:rPr>
                             <m:t>𝒐𝒃𝒔</m:t>
                           </m:r>
@@ -8095,7 +8095,7 @@
                               <a:solidFill>
                                 <a:schemeClr val="bg1"/>
                               </a:solidFill>
-                              <a:latin typeface="+mj-lt"/>
+                              <a:latin typeface="Cambria Math" panose="02040503050406030204" pitchFamily="18" charset="0"/>
                             </a:rPr>
                             <m:t>𝟓</m:t>
                           </m:r>
@@ -8104,7 +8104,7 @@
                               <a:solidFill>
                                 <a:schemeClr val="bg1"/>
                               </a:solidFill>
-                              <a:latin typeface="+mj-lt"/>
+                              <a:latin typeface="Cambria Math" panose="02040503050406030204" pitchFamily="18" charset="0"/>
                             </a:rPr>
                             <m:t>𝟎</m:t>
                           </m:r>
@@ -8124,7 +8124,7 @@
             </p:txBody>
           </p:sp>
         </mc:Choice>
-        <mc:Fallback>
+        <mc:Fallback xmlns="">
           <p:sp>
             <p:nvSpPr>
               <p:cNvPr id="112" name="Google Shape;69;p14">
